--- a/presentatie/Life 2013.pptx
+++ b/presentatie/Life 2013.pptx
@@ -5,7 +5,7 @@
     <p:sldMasterId id="2147483950" r:id="rId1"/>
   </p:sldMasterIdLst>
   <p:notesMasterIdLst>
-    <p:notesMasterId r:id="rId15"/>
+    <p:notesMasterId r:id="rId16"/>
   </p:notesMasterIdLst>
   <p:sldIdLst>
     <p:sldId id="256" r:id="rId2"/>
@@ -21,6 +21,7 @@
     <p:sldId id="266" r:id="rId12"/>
     <p:sldId id="267" r:id="rId13"/>
     <p:sldId id="268" r:id="rId14"/>
+    <p:sldId id="269" r:id="rId15"/>
   </p:sldIdLst>
   <p:sldSz cx="9144000" cy="6858000" type="screen4x3"/>
   <p:notesSz cx="7010400" cy="9296400"/>
@@ -5198,6 +5199,113 @@
 </p:sld>
 </file>
 
+<file path=ppt/slides/slide14.xml><?xml version="1.0" encoding="utf-8"?>
+<p:sld xmlns:a="http://schemas.openxmlformats.org/drawingml/2006/main" xmlns:r="http://schemas.openxmlformats.org/officeDocument/2006/relationships" xmlns:p="http://schemas.openxmlformats.org/presentationml/2006/main">
+  <p:cSld>
+    <p:spTree>
+      <p:nvGrpSpPr>
+        <p:cNvPr id="1" name=""/>
+        <p:cNvGrpSpPr/>
+        <p:nvPr/>
+      </p:nvGrpSpPr>
+      <p:grpSpPr>
+        <a:xfrm>
+          <a:off x="0" y="0"/>
+          <a:ext cx="0" cy="0"/>
+          <a:chOff x="0" y="0"/>
+          <a:chExt cx="0" cy="0"/>
+        </a:xfrm>
+      </p:grpSpPr>
+      <p:sp>
+        <p:nvSpPr>
+          <p:cNvPr id="2" name="Title 1"/>
+          <p:cNvSpPr>
+            <a:spLocks noGrp="1"/>
+          </p:cNvSpPr>
+          <p:nvPr>
+            <p:ph type="title"/>
+          </p:nvPr>
+        </p:nvSpPr>
+        <p:spPr/>
+        <p:txBody>
+          <a:bodyPr/>
+          <a:lstStyle/>
+          <a:p>
+            <a:r>
+              <a:rPr lang="nl-NL" sz="4000" dirty="0"/>
+              <a:t>Relatie ontwerp en </a:t>
+            </a:r>
+            <a:r>
+              <a:rPr lang="nl-NL" sz="4000" dirty="0" smtClean="0"/>
+              <a:t>requirements </a:t>
+            </a:r>
+            <a:endParaRPr lang="en-US" sz="4000" dirty="0"/>
+          </a:p>
+        </p:txBody>
+      </p:sp>
+      <p:sp>
+        <p:nvSpPr>
+          <p:cNvPr id="3" name="Content Placeholder 2"/>
+          <p:cNvSpPr>
+            <a:spLocks noGrp="1"/>
+          </p:cNvSpPr>
+          <p:nvPr>
+            <p:ph idx="1"/>
+          </p:nvPr>
+        </p:nvSpPr>
+        <p:spPr/>
+        <p:txBody>
+          <a:bodyPr/>
+          <a:lstStyle/>
+          <a:p>
+            <a:endParaRPr lang="en-US" dirty="0"/>
+          </a:p>
+        </p:txBody>
+      </p:sp>
+      <p:sp>
+        <p:nvSpPr>
+          <p:cNvPr id="4" name="Slide Number Placeholder 3"/>
+          <p:cNvSpPr>
+            <a:spLocks noGrp="1"/>
+          </p:cNvSpPr>
+          <p:nvPr>
+            <p:ph type="sldNum" sz="quarter" idx="12"/>
+          </p:nvPr>
+        </p:nvSpPr>
+        <p:spPr/>
+        <p:txBody>
+          <a:bodyPr/>
+          <a:lstStyle/>
+          <a:p>
+            <a:fld id="{6E2D2B3B-882E-40F3-A32F-6DD516915044}" type="slidenum">
+              <a:rPr lang="en-US" smtClean="0"/>
+              <a:pPr/>
+              <a:t>14</a:t>
+            </a:fld>
+            <a:endParaRPr lang="en-US"/>
+          </a:p>
+        </p:txBody>
+      </p:sp>
+    </p:spTree>
+    <p:extLst>
+      <p:ext uri="{BB962C8B-B14F-4D97-AF65-F5344CB8AC3E}">
+        <p14:creationId xmlns:p14="http://schemas.microsoft.com/office/powerpoint/2010/main" val="2646780094"/>
+      </p:ext>
+    </p:extLst>
+  </p:cSld>
+  <p:clrMapOvr>
+    <a:masterClrMapping/>
+  </p:clrMapOvr>
+  <p:timing>
+    <p:tnLst>
+      <p:par>
+        <p:cTn id="1" dur="indefinite" restart="never" nodeType="tmRoot"/>
+      </p:par>
+    </p:tnLst>
+  </p:timing>
+</p:sld>
+</file>
+
 <file path=ppt/slides/slide2.xml><?xml version="1.0" encoding="utf-8"?>
 <p:sld xmlns:a="http://schemas.openxmlformats.org/drawingml/2006/main" xmlns:r="http://schemas.openxmlformats.org/officeDocument/2006/relationships" xmlns:p="http://schemas.openxmlformats.org/presentationml/2006/main">
   <p:cSld>
@@ -5274,13 +5382,10 @@
               <a:t>Relatie ontwerp en </a:t>
             </a:r>
             <a:r>
-              <a:rPr lang="nl-NL" dirty="0" err="1"/>
-              <a:t>requierments</a:t>
-            </a:r>
-            <a:r>
-              <a:rPr lang="nl-NL" dirty="0"/>
-              <a:t> </a:t>
-            </a:r>
+              <a:rPr lang="nl-NL" dirty="0" smtClean="0"/>
+              <a:t>requirements </a:t>
+            </a:r>
+            <a:endParaRPr lang="nl-NL" dirty="0"/>
           </a:p>
           <a:p>
             <a:r>
@@ -5476,13 +5581,8 @@
             <a:pPr lvl="1"/>
             <a:r>
               <a:rPr lang="nl-NL" dirty="0" smtClean="0"/>
-              <a:t>Vast stellen </a:t>
-            </a:r>
-            <a:r>
-              <a:rPr lang="nl-NL" dirty="0" err="1" smtClean="0"/>
-              <a:t>requierments</a:t>
-            </a:r>
-            <a:endParaRPr lang="nl-NL" dirty="0" smtClean="0"/>
+              <a:t>Vast stellen requirements</a:t>
+            </a:r>
           </a:p>
           <a:p>
             <a:pPr lvl="1"/>

--- a/presentatie/Life 2013.pptx
+++ b/presentatie/Life 2013.pptx
@@ -5,7 +5,7 @@
     <p:sldMasterId id="2147483950" r:id="rId1"/>
   </p:sldMasterIdLst>
   <p:notesMasterIdLst>
-    <p:notesMasterId r:id="rId16"/>
+    <p:notesMasterId r:id="rId18"/>
   </p:notesMasterIdLst>
   <p:sldIdLst>
     <p:sldId id="256" r:id="rId2"/>
@@ -22,6 +22,8 @@
     <p:sldId id="267" r:id="rId13"/>
     <p:sldId id="268" r:id="rId14"/>
     <p:sldId id="269" r:id="rId15"/>
+    <p:sldId id="270" r:id="rId16"/>
+    <p:sldId id="271" r:id="rId17"/>
   </p:sldIdLst>
   <p:sldSz cx="9144000" cy="6858000" type="screen4x3"/>
   <p:notesSz cx="7010400" cy="9296400"/>
@@ -205,7 +207,7 @@
           <a:p>
             <a:fld id="{09390440-0C3F-460E-8F7D-2FE186B33FA5}" type="datetimeFigureOut">
               <a:rPr lang="en-US" smtClean="0"/>
-              <a:t>1/9/2014</a:t>
+              <a:t>1/12/2014</a:t>
             </a:fld>
             <a:endParaRPr lang="en-US"/>
           </a:p>
@@ -1281,7 +1283,7 @@
             <a:fld id="{04AF466F-BDA4-4F18-9C7B-FF0A9A1B0E80}" type="datetime1">
               <a:rPr lang="en-US" smtClean="0"/>
               <a:pPr/>
-              <a:t>1/9/2014</a:t>
+              <a:t>1/12/2014</a:t>
             </a:fld>
             <a:endParaRPr lang="en-US"/>
           </a:p>
@@ -1448,7 +1450,7 @@
             <a:fld id="{58FB4290-6522-4139-852E-05BD9E7F0D2E}" type="datetime1">
               <a:rPr lang="en-US" smtClean="0"/>
               <a:pPr/>
-              <a:t>1/9/2014</a:t>
+              <a:t>1/12/2014</a:t>
             </a:fld>
             <a:endParaRPr lang="en-US"/>
           </a:p>
@@ -1625,7 +1627,7 @@
             <a:fld id="{AAB955F9-81EA-47C5-8059-9E5C2B437C70}" type="datetime1">
               <a:rPr lang="en-US" smtClean="0"/>
               <a:pPr/>
-              <a:t>1/9/2014</a:t>
+              <a:t>1/12/2014</a:t>
             </a:fld>
             <a:endParaRPr lang="en-US"/>
           </a:p>
@@ -1792,7 +1794,7 @@
             <a:fld id="{1CEF607B-A47E-422C-9BEF-122CCDB7C526}" type="datetime1">
               <a:rPr lang="en-US" smtClean="0"/>
               <a:pPr/>
-              <a:t>1/9/2014</a:t>
+              <a:t>1/12/2014</a:t>
             </a:fld>
             <a:endParaRPr lang="en-US"/>
           </a:p>
@@ -2035,7 +2037,7 @@
             <a:fld id="{63A9A7CB-BEE6-4F99-898E-913F06E8E125}" type="datetime1">
               <a:rPr lang="en-US" smtClean="0"/>
               <a:pPr/>
-              <a:t>1/9/2014</a:t>
+              <a:t>1/12/2014</a:t>
             </a:fld>
             <a:endParaRPr lang="en-US"/>
           </a:p>
@@ -2320,7 +2322,7 @@
             <a:fld id="{B6EE300C-6FC5-4FC3-AF1A-075E4F50620D}" type="datetime1">
               <a:rPr lang="en-US" smtClean="0"/>
               <a:pPr/>
-              <a:t>1/9/2014</a:t>
+              <a:t>1/12/2014</a:t>
             </a:fld>
             <a:endParaRPr lang="en-US"/>
           </a:p>
@@ -2751,7 +2753,7 @@
             <a:fld id="{F50D295D-4A77-4DEB-B04C-9F4282A8BC04}" type="datetime1">
               <a:rPr lang="en-US" smtClean="0"/>
               <a:pPr/>
-              <a:t>1/9/2014</a:t>
+              <a:t>1/12/2014</a:t>
             </a:fld>
             <a:endParaRPr lang="en-US"/>
           </a:p>
@@ -2866,7 +2868,7 @@
             <a:fld id="{02B28685-4D0C-42D5-8013-B5904CD1FCBC}" type="datetime1">
               <a:rPr lang="en-US" smtClean="0"/>
               <a:pPr/>
-              <a:t>1/9/2014</a:t>
+              <a:t>1/12/2014</a:t>
             </a:fld>
             <a:endParaRPr lang="en-US"/>
           </a:p>
@@ -2958,7 +2960,7 @@
             <a:fld id="{FDF226C0-9885-4BA9-BBFA-A52CBFEBB775}" type="datetime1">
               <a:rPr lang="en-US" smtClean="0"/>
               <a:pPr/>
-              <a:t>1/9/2014</a:t>
+              <a:t>1/12/2014</a:t>
             </a:fld>
             <a:endParaRPr lang="en-US"/>
           </a:p>
@@ -3149,7 +3151,7 @@
             <a:fld id="{EBEE1B38-C5EB-4D66-9137-0AFE9CDEDE8F}" type="datetime1">
               <a:rPr lang="en-US" smtClean="0"/>
               <a:pPr/>
-              <a:t>1/9/2014</a:t>
+              <a:t>1/12/2014</a:t>
             </a:fld>
             <a:endParaRPr lang="en-US"/>
           </a:p>
@@ -3469,7 +3471,7 @@
             <a:fld id="{327B613C-1AD7-49D3-885D-F654C5CDBAA6}" type="datetime1">
               <a:rPr lang="en-US" smtClean="0"/>
               <a:pPr/>
-              <a:t>1/9/2014</a:t>
+              <a:t>1/12/2014</a:t>
             </a:fld>
             <a:endParaRPr lang="en-US" dirty="0"/>
           </a:p>
@@ -3851,7 +3853,7 @@
             <a:fld id="{327B613C-1AD7-49D3-885D-F654C5CDBAA6}" type="datetime1">
               <a:rPr lang="en-US" smtClean="0"/>
               <a:pPr/>
-              <a:t>1/9/2014</a:t>
+              <a:t>1/12/2014</a:t>
             </a:fld>
             <a:endParaRPr lang="en-US" dirty="0"/>
           </a:p>
@@ -5233,11 +5235,7 @@
           <a:p>
             <a:r>
               <a:rPr lang="nl-NL" sz="4000" dirty="0"/>
-              <a:t>Relatie ontwerp en </a:t>
-            </a:r>
-            <a:r>
-              <a:rPr lang="nl-NL" sz="4000" dirty="0" smtClean="0"/>
-              <a:t>requirements </a:t>
+              <a:t>Relatie ontwerp en requirements </a:t>
             </a:r>
             <a:endParaRPr lang="en-US" sz="4000" dirty="0"/>
           </a:p>
@@ -5245,26 +5243,104 @@
       </p:sp>
       <p:sp>
         <p:nvSpPr>
-          <p:cNvPr id="3" name="Content Placeholder 2"/>
-          <p:cNvSpPr>
-            <a:spLocks noGrp="1"/>
-          </p:cNvSpPr>
-          <p:nvPr>
-            <p:ph idx="1"/>
-          </p:nvPr>
-        </p:nvSpPr>
-        <p:spPr/>
-        <p:txBody>
-          <a:bodyPr/>
-          <a:lstStyle/>
-          <a:p>
+          <p:cNvPr id="3" name="Text Placeholder 2"/>
+          <p:cNvSpPr>
+            <a:spLocks noGrp="1"/>
+          </p:cNvSpPr>
+          <p:nvPr>
+            <p:ph type="body" idx="1"/>
+          </p:nvPr>
+        </p:nvSpPr>
+        <p:spPr/>
+        <p:txBody>
+          <a:bodyPr/>
+          <a:lstStyle/>
+          <a:p>
+            <a:r>
+              <a:rPr lang="en-US" dirty="0" smtClean="0"/>
+              <a:t>Requirements</a:t>
+            </a:r>
             <a:endParaRPr lang="en-US" dirty="0"/>
           </a:p>
         </p:txBody>
       </p:sp>
       <p:sp>
         <p:nvSpPr>
-          <p:cNvPr id="4" name="Slide Number Placeholder 3"/>
+          <p:cNvPr id="4" name="Content Placeholder 3"/>
+          <p:cNvSpPr>
+            <a:spLocks noGrp="1"/>
+          </p:cNvSpPr>
+          <p:nvPr>
+            <p:ph sz="half" idx="2"/>
+          </p:nvPr>
+        </p:nvSpPr>
+        <p:spPr/>
+        <p:txBody>
+          <a:bodyPr/>
+          <a:lstStyle/>
+          <a:p>
+            <a:r>
+              <a:rPr lang="en-US" dirty="0" smtClean="0"/>
+              <a:t>4 </a:t>
+            </a:r>
+            <a:r>
+              <a:rPr lang="nl-NL" dirty="0" smtClean="0"/>
+              <a:t>soorten beesten</a:t>
+            </a:r>
+          </a:p>
+          <a:p>
+            <a:endParaRPr lang="en-US" dirty="0"/>
+          </a:p>
+        </p:txBody>
+      </p:sp>
+      <p:sp>
+        <p:nvSpPr>
+          <p:cNvPr id="5" name="Text Placeholder 4"/>
+          <p:cNvSpPr>
+            <a:spLocks noGrp="1"/>
+          </p:cNvSpPr>
+          <p:nvPr>
+            <p:ph type="body" sz="quarter" idx="3"/>
+          </p:nvPr>
+        </p:nvSpPr>
+        <p:spPr/>
+        <p:txBody>
+          <a:bodyPr/>
+          <a:lstStyle/>
+          <a:p>
+            <a:r>
+              <a:rPr lang="nl-NL" dirty="0" smtClean="0"/>
+              <a:t>Ontwerp</a:t>
+            </a:r>
+          </a:p>
+        </p:txBody>
+      </p:sp>
+      <p:sp>
+        <p:nvSpPr>
+          <p:cNvPr id="6" name="Content Placeholder 5"/>
+          <p:cNvSpPr>
+            <a:spLocks noGrp="1"/>
+          </p:cNvSpPr>
+          <p:nvPr>
+            <p:ph sz="quarter" idx="4"/>
+          </p:nvPr>
+        </p:nvSpPr>
+        <p:spPr/>
+        <p:txBody>
+          <a:bodyPr/>
+          <a:lstStyle/>
+          <a:p>
+            <a:r>
+              <a:rPr lang="nl-NL" dirty="0" smtClean="0"/>
+              <a:t>1 beest met 4 soorten gedrag</a:t>
+            </a:r>
+            <a:endParaRPr lang="nl-NL" dirty="0"/>
+          </a:p>
+        </p:txBody>
+      </p:sp>
+      <p:sp>
+        <p:nvSpPr>
+          <p:cNvPr id="7" name="Slide Number Placeholder 6"/>
           <p:cNvSpPr>
             <a:spLocks noGrp="1"/>
           </p:cNvSpPr>
@@ -5289,7 +5365,7 @@
     </p:spTree>
     <p:extLst>
       <p:ext uri="{BB962C8B-B14F-4D97-AF65-F5344CB8AC3E}">
-        <p14:creationId xmlns:p14="http://schemas.microsoft.com/office/powerpoint/2010/main" val="2646780094"/>
+        <p14:creationId xmlns:p14="http://schemas.microsoft.com/office/powerpoint/2010/main" val="3105458382"/>
       </p:ext>
     </p:extLst>
   </p:cSld>
@@ -5303,6 +5379,214 @@
       </p:par>
     </p:tnLst>
   </p:timing>
+</p:sld>
+</file>
+
+<file path=ppt/slides/slide15.xml><?xml version="1.0" encoding="utf-8"?>
+<p:sld xmlns:a="http://schemas.openxmlformats.org/drawingml/2006/main" xmlns:r="http://schemas.openxmlformats.org/officeDocument/2006/relationships" xmlns:p="http://schemas.openxmlformats.org/presentationml/2006/main">
+  <p:cSld>
+    <p:spTree>
+      <p:nvGrpSpPr>
+        <p:cNvPr id="1" name=""/>
+        <p:cNvGrpSpPr/>
+        <p:nvPr/>
+      </p:nvGrpSpPr>
+      <p:grpSpPr>
+        <a:xfrm>
+          <a:off x="0" y="0"/>
+          <a:ext cx="0" cy="0"/>
+          <a:chOff x="0" y="0"/>
+          <a:chExt cx="0" cy="0"/>
+        </a:xfrm>
+      </p:grpSpPr>
+      <p:sp>
+        <p:nvSpPr>
+          <p:cNvPr id="2" name="Title 1"/>
+          <p:cNvSpPr>
+            <a:spLocks noGrp="1"/>
+          </p:cNvSpPr>
+          <p:nvPr>
+            <p:ph type="title"/>
+          </p:nvPr>
+        </p:nvSpPr>
+        <p:spPr/>
+        <p:txBody>
+          <a:bodyPr/>
+          <a:lstStyle/>
+          <a:p>
+            <a:r>
+              <a:rPr lang="nl-NL" dirty="0"/>
+              <a:t>Demo</a:t>
+            </a:r>
+            <a:endParaRPr lang="nl-NL" dirty="0"/>
+          </a:p>
+        </p:txBody>
+      </p:sp>
+      <p:sp>
+        <p:nvSpPr>
+          <p:cNvPr id="3" name="Content Placeholder 2"/>
+          <p:cNvSpPr>
+            <a:spLocks noGrp="1"/>
+          </p:cNvSpPr>
+          <p:nvPr>
+            <p:ph idx="1"/>
+          </p:nvPr>
+        </p:nvSpPr>
+        <p:spPr/>
+        <p:txBody>
+          <a:bodyPr/>
+          <a:lstStyle/>
+          <a:p>
+            <a:endParaRPr lang="en-US" dirty="0"/>
+          </a:p>
+        </p:txBody>
+      </p:sp>
+      <p:sp>
+        <p:nvSpPr>
+          <p:cNvPr id="4" name="Slide Number Placeholder 3"/>
+          <p:cNvSpPr>
+            <a:spLocks noGrp="1"/>
+          </p:cNvSpPr>
+          <p:nvPr>
+            <p:ph type="sldNum" sz="quarter" idx="12"/>
+          </p:nvPr>
+        </p:nvSpPr>
+        <p:spPr/>
+        <p:txBody>
+          <a:bodyPr/>
+          <a:lstStyle/>
+          <a:p>
+            <a:fld id="{6E2D2B3B-882E-40F3-A32F-6DD516915044}" type="slidenum">
+              <a:rPr lang="en-US" smtClean="0"/>
+              <a:pPr/>
+              <a:t>15</a:t>
+            </a:fld>
+            <a:endParaRPr lang="en-US"/>
+          </a:p>
+        </p:txBody>
+      </p:sp>
+    </p:spTree>
+    <p:extLst>
+      <p:ext uri="{BB962C8B-B14F-4D97-AF65-F5344CB8AC3E}">
+        <p14:creationId xmlns:p14="http://schemas.microsoft.com/office/powerpoint/2010/main" val="3768538064"/>
+      </p:ext>
+    </p:extLst>
+  </p:cSld>
+  <p:clrMapOvr>
+    <a:masterClrMapping/>
+  </p:clrMapOvr>
+</p:sld>
+</file>
+
+<file path=ppt/slides/slide16.xml><?xml version="1.0" encoding="utf-8"?>
+<p:sld xmlns:a="http://schemas.openxmlformats.org/drawingml/2006/main" xmlns:r="http://schemas.openxmlformats.org/officeDocument/2006/relationships" xmlns:p="http://schemas.openxmlformats.org/presentationml/2006/main">
+  <p:cSld>
+    <p:spTree>
+      <p:nvGrpSpPr>
+        <p:cNvPr id="1" name=""/>
+        <p:cNvGrpSpPr/>
+        <p:nvPr/>
+      </p:nvGrpSpPr>
+      <p:grpSpPr>
+        <a:xfrm>
+          <a:off x="0" y="0"/>
+          <a:ext cx="0" cy="0"/>
+          <a:chOff x="0" y="0"/>
+          <a:chExt cx="0" cy="0"/>
+        </a:xfrm>
+      </p:grpSpPr>
+      <p:sp>
+        <p:nvSpPr>
+          <p:cNvPr id="2" name="Title 1"/>
+          <p:cNvSpPr>
+            <a:spLocks noGrp="1"/>
+          </p:cNvSpPr>
+          <p:nvPr>
+            <p:ph type="title"/>
+          </p:nvPr>
+        </p:nvSpPr>
+        <p:spPr/>
+        <p:txBody>
+          <a:bodyPr/>
+          <a:lstStyle/>
+          <a:p>
+            <a:r>
+              <a:rPr lang="nl-NL" dirty="0" smtClean="0"/>
+              <a:t>Tips</a:t>
+            </a:r>
+            <a:endParaRPr lang="nl-NL" dirty="0"/>
+          </a:p>
+        </p:txBody>
+      </p:sp>
+      <p:sp>
+        <p:nvSpPr>
+          <p:cNvPr id="3" name="Content Placeholder 2"/>
+          <p:cNvSpPr>
+            <a:spLocks noGrp="1"/>
+          </p:cNvSpPr>
+          <p:nvPr>
+            <p:ph idx="1"/>
+          </p:nvPr>
+        </p:nvSpPr>
+        <p:spPr/>
+        <p:txBody>
+          <a:bodyPr/>
+          <a:lstStyle/>
+          <a:p>
+            <a:r>
+              <a:rPr lang="nl-NL" dirty="0" smtClean="0"/>
+              <a:t>Indien er weinig tot geen domein kennis is, blijf zolang mogelijk in de ontwerp fase.</a:t>
+            </a:r>
+          </a:p>
+          <a:p>
+            <a:r>
+              <a:rPr lang="nl-NL" dirty="0" smtClean="0"/>
+              <a:t>Begin bij het einde, maak duidelijke requirements.</a:t>
+            </a:r>
+          </a:p>
+          <a:p>
+            <a:r>
+              <a:rPr lang="nl-NL" dirty="0" smtClean="0"/>
+              <a:t>Stop niet te veel tijd in diagrammen, alleen waar het nodig is.</a:t>
+            </a:r>
+            <a:endParaRPr lang="nl-NL" dirty="0"/>
+          </a:p>
+        </p:txBody>
+      </p:sp>
+      <p:sp>
+        <p:nvSpPr>
+          <p:cNvPr id="4" name="Slide Number Placeholder 3"/>
+          <p:cNvSpPr>
+            <a:spLocks noGrp="1"/>
+          </p:cNvSpPr>
+          <p:nvPr>
+            <p:ph type="sldNum" sz="quarter" idx="12"/>
+          </p:nvPr>
+        </p:nvSpPr>
+        <p:spPr/>
+        <p:txBody>
+          <a:bodyPr/>
+          <a:lstStyle/>
+          <a:p>
+            <a:fld id="{6E2D2B3B-882E-40F3-A32F-6DD516915044}" type="slidenum">
+              <a:rPr lang="en-US" smtClean="0"/>
+              <a:pPr/>
+              <a:t>16</a:t>
+            </a:fld>
+            <a:endParaRPr lang="en-US"/>
+          </a:p>
+        </p:txBody>
+      </p:sp>
+    </p:spTree>
+    <p:extLst>
+      <p:ext uri="{BB962C8B-B14F-4D97-AF65-F5344CB8AC3E}">
+        <p14:creationId xmlns:p14="http://schemas.microsoft.com/office/powerpoint/2010/main" val="3144262378"/>
+      </p:ext>
+    </p:extLst>
+  </p:cSld>
+  <p:clrMapOvr>
+    <a:masterClrMapping/>
+  </p:clrMapOvr>
 </p:sld>
 </file>
 
@@ -5395,14 +5679,18 @@
           </a:p>
           <a:p>
             <a:r>
+              <a:rPr lang="nl-NL" dirty="0" smtClean="0"/>
+              <a:t>Tips</a:t>
+            </a:r>
+          </a:p>
+          <a:p>
+            <a:r>
+              <a:rPr lang="nl-NL" dirty="0" smtClean="0"/>
+              <a:t>Rond </a:t>
+            </a:r>
+            <a:r>
               <a:rPr lang="nl-NL" dirty="0"/>
-              <a:t>Relatie applicatie met ontwerp</a:t>
-            </a:r>
-          </a:p>
-          <a:p>
-            <a:r>
-              <a:rPr lang="nl-NL" dirty="0"/>
-              <a:t>Rond vraag</a:t>
+              <a:t>vraag</a:t>
             </a:r>
             <a:endParaRPr lang="en-US" dirty="0"/>
           </a:p>

--- a/presentatie/Life 2013.pptx
+++ b/presentatie/Life 2013.pptx
@@ -5181,6 +5181,105 @@
           </a:prstGeom>
         </p:spPr>
       </p:pic>
+      <p:cxnSp>
+        <p:nvCxnSpPr>
+          <p:cNvPr id="7" name="Straight Arrow Connector 6"/>
+          <p:cNvCxnSpPr/>
+          <p:nvPr/>
+        </p:nvCxnSpPr>
+        <p:spPr>
+          <a:xfrm flipV="1">
+            <a:off x="3491880" y="3933056"/>
+            <a:ext cx="360040" cy="360040"/>
+          </a:xfrm>
+          <a:prstGeom prst="straightConnector1">
+            <a:avLst/>
+          </a:prstGeom>
+          <a:ln>
+            <a:tailEnd type="arrow"/>
+          </a:ln>
+        </p:spPr>
+        <p:style>
+          <a:lnRef idx="1">
+            <a:schemeClr val="accent1"/>
+          </a:lnRef>
+          <a:fillRef idx="0">
+            <a:schemeClr val="accent1"/>
+          </a:fillRef>
+          <a:effectRef idx="0">
+            <a:schemeClr val="accent1"/>
+          </a:effectRef>
+          <a:fontRef idx="minor">
+            <a:schemeClr val="tx1"/>
+          </a:fontRef>
+        </p:style>
+      </p:cxnSp>
+      <p:cxnSp>
+        <p:nvCxnSpPr>
+          <p:cNvPr id="9" name="Straight Arrow Connector 8"/>
+          <p:cNvCxnSpPr/>
+          <p:nvPr/>
+        </p:nvCxnSpPr>
+        <p:spPr>
+          <a:xfrm>
+            <a:off x="5148064" y="3933056"/>
+            <a:ext cx="288032" cy="360040"/>
+          </a:xfrm>
+          <a:prstGeom prst="straightConnector1">
+            <a:avLst/>
+          </a:prstGeom>
+          <a:ln>
+            <a:tailEnd type="arrow"/>
+          </a:ln>
+        </p:spPr>
+        <p:style>
+          <a:lnRef idx="1">
+            <a:schemeClr val="accent1"/>
+          </a:lnRef>
+          <a:fillRef idx="0">
+            <a:schemeClr val="accent1"/>
+          </a:fillRef>
+          <a:effectRef idx="0">
+            <a:schemeClr val="accent1"/>
+          </a:effectRef>
+          <a:fontRef idx="minor">
+            <a:schemeClr val="tx1"/>
+          </a:fontRef>
+        </p:style>
+      </p:cxnSp>
+      <p:cxnSp>
+        <p:nvCxnSpPr>
+          <p:cNvPr id="11" name="Straight Arrow Connector 10"/>
+          <p:cNvCxnSpPr/>
+          <p:nvPr/>
+        </p:nvCxnSpPr>
+        <p:spPr>
+          <a:xfrm flipH="1">
+            <a:off x="4067944" y="4934098"/>
+            <a:ext cx="792088" cy="0"/>
+          </a:xfrm>
+          <a:prstGeom prst="straightConnector1">
+            <a:avLst/>
+          </a:prstGeom>
+          <a:ln>
+            <a:tailEnd type="arrow"/>
+          </a:ln>
+        </p:spPr>
+        <p:style>
+          <a:lnRef idx="1">
+            <a:schemeClr val="accent1"/>
+          </a:lnRef>
+          <a:fillRef idx="0">
+            <a:schemeClr val="accent1"/>
+          </a:fillRef>
+          <a:effectRef idx="0">
+            <a:schemeClr val="accent1"/>
+          </a:effectRef>
+          <a:fontRef idx="minor">
+            <a:schemeClr val="tx1"/>
+          </a:fontRef>
+        </p:style>
+      </p:cxnSp>
     </p:spTree>
     <p:extLst>
       <p:ext uri="{BB962C8B-B14F-4D97-AF65-F5344CB8AC3E}">
@@ -5418,7 +5517,6 @@
               <a:rPr lang="nl-NL" dirty="0"/>
               <a:t>Demo</a:t>
             </a:r>
-            <a:endParaRPr lang="nl-NL" dirty="0"/>
           </a:p>
         </p:txBody>
       </p:sp>
@@ -5475,6 +5573,13 @@
   <p:clrMapOvr>
     <a:masterClrMapping/>
   </p:clrMapOvr>
+  <p:timing>
+    <p:tnLst>
+      <p:par>
+        <p:cTn id="1" dur="indefinite" restart="never" nodeType="tmRoot"/>
+      </p:par>
+    </p:tnLst>
+  </p:timing>
 </p:sld>
 </file>
 
